--- a/Analisi Codice Python.pptx
+++ b/Analisi Codice Python.pptx
@@ -105,6 +105,11 @@
       </a:defRPr>
     </a:lvl9pPr>
   </p:defaultTextStyle>
+  <p:extLst>
+    <p:ext uri="{EFAFB233-063F-42B5-8137-9DF3F51BA10A}">
+      <p15:sldGuideLst xmlns:p15="http://schemas.microsoft.com/office/powerpoint/2012/main"/>
+    </p:ext>
+  </p:extLst>
 </p:presentation>
 </file>
 
@@ -4256,7 +4261,7 @@
         <p:spPr>
           <a:xfrm>
             <a:off x="4625100" y="5987533"/>
-            <a:ext cx="4487319" cy="369332"/>
+            <a:ext cx="4294765" cy="369332"/>
           </a:xfrm>
           <a:prstGeom prst="rect">
             <a:avLst/>
@@ -4271,7 +4276,7 @@
           <a:p>
             <a:r>
               <a:rPr lang="en-US" dirty="0" err="1"/>
-              <a:t>Ricevere</a:t>
+              <a:t>Riceve</a:t>
             </a:r>
             <a:r>
               <a:rPr lang="en-US" dirty="0"/>

--- a/Analisi Codice Python.pptx
+++ b/Analisi Codice Python.pptx
@@ -7,6 +7,7 @@
   <p:sldIdLst>
     <p:sldId id="256" r:id="rId2"/>
     <p:sldId id="257" r:id="rId3"/>
+    <p:sldId id="258" r:id="rId4"/>
   </p:sldIdLst>
   <p:sldSz cx="12192000" cy="6858000"/>
   <p:notesSz cx="6858000" cy="9144000"/>
@@ -4665,6 +4666,87 @@
 </p:sld>
 </file>
 
+<file path=ppt/slides/slide3.xml><?xml version="1.0" encoding="utf-8"?>
+<p:sld xmlns:a="http://schemas.openxmlformats.org/drawingml/2006/main" xmlns:r="http://schemas.openxmlformats.org/officeDocument/2006/relationships" xmlns:p="http://schemas.openxmlformats.org/presentationml/2006/main">
+  <p:cSld>
+    <p:spTree>
+      <p:nvGrpSpPr>
+        <p:cNvPr id="1" name=""/>
+        <p:cNvGrpSpPr/>
+        <p:nvPr/>
+      </p:nvGrpSpPr>
+      <p:grpSpPr>
+        <a:xfrm>
+          <a:off x="0" y="0"/>
+          <a:ext cx="0" cy="0"/>
+          <a:chOff x="0" y="0"/>
+          <a:chExt cx="0" cy="0"/>
+        </a:xfrm>
+      </p:grpSpPr>
+      <p:sp>
+        <p:nvSpPr>
+          <p:cNvPr id="4" name="TextBox 3">
+            <a:extLst>
+              <a:ext uri="{FF2B5EF4-FFF2-40B4-BE49-F238E27FC236}">
+                <a16:creationId xmlns:a16="http://schemas.microsoft.com/office/drawing/2014/main" id="{6C8EFF2A-373B-48E9-EE04-F5B36DD1E5F1}"/>
+              </a:ext>
+            </a:extLst>
+          </p:cNvPr>
+          <p:cNvSpPr txBox="1"/>
+          <p:nvPr/>
+        </p:nvSpPr>
+        <p:spPr>
+          <a:xfrm>
+            <a:off x="0" y="2264635"/>
+            <a:ext cx="12192000" cy="2031325"/>
+          </a:xfrm>
+          <a:prstGeom prst="rect">
+            <a:avLst/>
+          </a:prstGeom>
+          <a:noFill/>
+        </p:spPr>
+        <p:txBody>
+          <a:bodyPr wrap="square" lIns="360000" rIns="360000" rtlCol="0">
+            <a:spAutoFit/>
+          </a:bodyPr>
+          <a:lstStyle/>
+          <a:p>
+            <a:pPr algn="ctr"/>
+            <a:r>
+              <a:rPr lang="en-US" dirty="0" err="1"/>
+              <a:t>Spiegazione</a:t>
+            </a:r>
+            <a:r>
+              <a:rPr lang="en-US" dirty="0"/>
+              <a:t> Backdoor</a:t>
+            </a:r>
+            <a:br>
+              <a:rPr lang="en-US" dirty="0"/>
+            </a:br>
+            <a:endParaRPr lang="en-US" dirty="0"/>
+          </a:p>
+          <a:p>
+            <a:pPr algn="ctr"/>
+            <a:r>
+              <a:rPr lang="it-IT" dirty="0"/>
+              <a:t>Una backdoor è una via nascosta o non autorizzata per accedere a un sistema informatico. È un metodo segreto per bypassare le normali procedure di autenticazione e ottenere l'accesso non autorizzato al sistema, consentendo a chi ha creato la backdoor di controllare o manipolare il sistema senza essere rilevato. Le backdoor possono essere create intenzionalmente da sviluppatori di software per scopi di manutenzione o, più comunemente, essere inserite malevolmente da hacker per scopi dannosi.</a:t>
+            </a:r>
+          </a:p>
+        </p:txBody>
+      </p:sp>
+    </p:spTree>
+    <p:extLst>
+      <p:ext uri="{BB962C8B-B14F-4D97-AF65-F5344CB8AC3E}">
+        <p14:creationId xmlns:p14="http://schemas.microsoft.com/office/powerpoint/2010/main" val="491527549"/>
+      </p:ext>
+    </p:extLst>
+  </p:cSld>
+  <p:clrMapOvr>
+    <a:masterClrMapping/>
+  </p:clrMapOvr>
+</p:sld>
+</file>
+
 <file path=ppt/theme/theme1.xml><?xml version="1.0" encoding="utf-8"?>
 <a:theme xmlns:a="http://schemas.openxmlformats.org/drawingml/2006/main" name="Office Theme">
   <a:themeElements>
